--- a/Course/520 Introduction to Aritificial Intelligence/HW3/ppt/worst.pptx
+++ b/Course/520 Introduction to Aritificial Intelligence/HW3/ppt/worst.pptx
@@ -288,7 +288,8 @@
           <a:p>
             <a:fld id="{F3F2283F-EF69-A24A-803C-763986B343C2}" type="datetimeFigureOut">
               <a:rPr lang="en-US" smtClean="0"/>
-              <a:t>10/15/10</a:t>
+              <a:pPr/>
+              <a:t>10/19/10</a:t>
             </a:fld>
             <a:endParaRPr lang="en-US"/>
           </a:p>
@@ -330,6 +331,7 @@
           <a:p>
             <a:fld id="{B9E79B35-B0A9-8E46-8D86-45AEE198BCE7}" type="slidenum">
               <a:rPr lang="en-US" smtClean="0"/>
+              <a:pPr/>
               <a:t>‹#›</a:t>
             </a:fld>
             <a:endParaRPr lang="en-US"/>
@@ -453,7 +455,8 @@
           <a:p>
             <a:fld id="{F3F2283F-EF69-A24A-803C-763986B343C2}" type="datetimeFigureOut">
               <a:rPr lang="en-US" smtClean="0"/>
-              <a:t>10/15/10</a:t>
+              <a:pPr/>
+              <a:t>10/19/10</a:t>
             </a:fld>
             <a:endParaRPr lang="en-US"/>
           </a:p>
@@ -495,6 +498,7 @@
           <a:p>
             <a:fld id="{B9E79B35-B0A9-8E46-8D86-45AEE198BCE7}" type="slidenum">
               <a:rPr lang="en-US" smtClean="0"/>
+              <a:pPr/>
               <a:t>‹#›</a:t>
             </a:fld>
             <a:endParaRPr lang="en-US"/>
@@ -628,7 +632,8 @@
           <a:p>
             <a:fld id="{F3F2283F-EF69-A24A-803C-763986B343C2}" type="datetimeFigureOut">
               <a:rPr lang="en-US" smtClean="0"/>
-              <a:t>10/15/10</a:t>
+              <a:pPr/>
+              <a:t>10/19/10</a:t>
             </a:fld>
             <a:endParaRPr lang="en-US"/>
           </a:p>
@@ -670,6 +675,7 @@
           <a:p>
             <a:fld id="{B9E79B35-B0A9-8E46-8D86-45AEE198BCE7}" type="slidenum">
               <a:rPr lang="en-US" smtClean="0"/>
+              <a:pPr/>
               <a:t>‹#›</a:t>
             </a:fld>
             <a:endParaRPr lang="en-US"/>
@@ -793,7 +799,8 @@
           <a:p>
             <a:fld id="{F3F2283F-EF69-A24A-803C-763986B343C2}" type="datetimeFigureOut">
               <a:rPr lang="en-US" smtClean="0"/>
-              <a:t>10/15/10</a:t>
+              <a:pPr/>
+              <a:t>10/19/10</a:t>
             </a:fld>
             <a:endParaRPr lang="en-US"/>
           </a:p>
@@ -835,6 +842,7 @@
           <a:p>
             <a:fld id="{B9E79B35-B0A9-8E46-8D86-45AEE198BCE7}" type="slidenum">
               <a:rPr lang="en-US" smtClean="0"/>
+              <a:pPr/>
               <a:t>‹#›</a:t>
             </a:fld>
             <a:endParaRPr lang="en-US"/>
@@ -1034,7 +1042,8 @@
           <a:p>
             <a:fld id="{F3F2283F-EF69-A24A-803C-763986B343C2}" type="datetimeFigureOut">
               <a:rPr lang="en-US" smtClean="0"/>
-              <a:t>10/15/10</a:t>
+              <a:pPr/>
+              <a:t>10/19/10</a:t>
             </a:fld>
             <a:endParaRPr lang="en-US"/>
           </a:p>
@@ -1076,6 +1085,7 @@
           <a:p>
             <a:fld id="{B9E79B35-B0A9-8E46-8D86-45AEE198BCE7}" type="slidenum">
               <a:rPr lang="en-US" smtClean="0"/>
+              <a:pPr/>
               <a:t>‹#›</a:t>
             </a:fld>
             <a:endParaRPr lang="en-US"/>
@@ -1317,7 +1327,8 @@
           <a:p>
             <a:fld id="{F3F2283F-EF69-A24A-803C-763986B343C2}" type="datetimeFigureOut">
               <a:rPr lang="en-US" smtClean="0"/>
-              <a:t>10/15/10</a:t>
+              <a:pPr/>
+              <a:t>10/19/10</a:t>
             </a:fld>
             <a:endParaRPr lang="en-US"/>
           </a:p>
@@ -1359,6 +1370,7 @@
           <a:p>
             <a:fld id="{B9E79B35-B0A9-8E46-8D86-45AEE198BCE7}" type="slidenum">
               <a:rPr lang="en-US" smtClean="0"/>
+              <a:pPr/>
               <a:t>‹#›</a:t>
             </a:fld>
             <a:endParaRPr lang="en-US"/>
@@ -1734,7 +1746,8 @@
           <a:p>
             <a:fld id="{F3F2283F-EF69-A24A-803C-763986B343C2}" type="datetimeFigureOut">
               <a:rPr lang="en-US" smtClean="0"/>
-              <a:t>10/15/10</a:t>
+              <a:pPr/>
+              <a:t>10/19/10</a:t>
             </a:fld>
             <a:endParaRPr lang="en-US"/>
           </a:p>
@@ -1776,6 +1789,7 @@
           <a:p>
             <a:fld id="{B9E79B35-B0A9-8E46-8D86-45AEE198BCE7}" type="slidenum">
               <a:rPr lang="en-US" smtClean="0"/>
+              <a:pPr/>
               <a:t>‹#›</a:t>
             </a:fld>
             <a:endParaRPr lang="en-US"/>
@@ -1847,7 +1861,8 @@
           <a:p>
             <a:fld id="{F3F2283F-EF69-A24A-803C-763986B343C2}" type="datetimeFigureOut">
               <a:rPr lang="en-US" smtClean="0"/>
-              <a:t>10/15/10</a:t>
+              <a:pPr/>
+              <a:t>10/19/10</a:t>
             </a:fld>
             <a:endParaRPr lang="en-US"/>
           </a:p>
@@ -1889,6 +1904,7 @@
           <a:p>
             <a:fld id="{B9E79B35-B0A9-8E46-8D86-45AEE198BCE7}" type="slidenum">
               <a:rPr lang="en-US" smtClean="0"/>
+              <a:pPr/>
               <a:t>‹#›</a:t>
             </a:fld>
             <a:endParaRPr lang="en-US"/>
@@ -1937,7 +1953,8 @@
           <a:p>
             <a:fld id="{F3F2283F-EF69-A24A-803C-763986B343C2}" type="datetimeFigureOut">
               <a:rPr lang="en-US" smtClean="0"/>
-              <a:t>10/15/10</a:t>
+              <a:pPr/>
+              <a:t>10/19/10</a:t>
             </a:fld>
             <a:endParaRPr lang="en-US"/>
           </a:p>
@@ -1979,6 +1996,7 @@
           <a:p>
             <a:fld id="{B9E79B35-B0A9-8E46-8D86-45AEE198BCE7}" type="slidenum">
               <a:rPr lang="en-US" smtClean="0"/>
+              <a:pPr/>
               <a:t>‹#›</a:t>
             </a:fld>
             <a:endParaRPr lang="en-US"/>
@@ -2209,7 +2227,8 @@
           <a:p>
             <a:fld id="{F3F2283F-EF69-A24A-803C-763986B343C2}" type="datetimeFigureOut">
               <a:rPr lang="en-US" smtClean="0"/>
-              <a:t>10/15/10</a:t>
+              <a:pPr/>
+              <a:t>10/19/10</a:t>
             </a:fld>
             <a:endParaRPr lang="en-US"/>
           </a:p>
@@ -2251,6 +2270,7 @@
           <a:p>
             <a:fld id="{B9E79B35-B0A9-8E46-8D86-45AEE198BCE7}" type="slidenum">
               <a:rPr lang="en-US" smtClean="0"/>
+              <a:pPr/>
               <a:t>‹#›</a:t>
             </a:fld>
             <a:endParaRPr lang="en-US"/>
@@ -2457,7 +2477,8 @@
           <a:p>
             <a:fld id="{F3F2283F-EF69-A24A-803C-763986B343C2}" type="datetimeFigureOut">
               <a:rPr lang="en-US" smtClean="0"/>
-              <a:t>10/15/10</a:t>
+              <a:pPr/>
+              <a:t>10/19/10</a:t>
             </a:fld>
             <a:endParaRPr lang="en-US"/>
           </a:p>
@@ -2499,6 +2520,7 @@
           <a:p>
             <a:fld id="{B9E79B35-B0A9-8E46-8D86-45AEE198BCE7}" type="slidenum">
               <a:rPr lang="en-US" smtClean="0"/>
+              <a:pPr/>
               <a:t>‹#›</a:t>
             </a:fld>
             <a:endParaRPr lang="en-US"/>
@@ -2665,7 +2687,8 @@
           <a:p>
             <a:fld id="{F3F2283F-EF69-A24A-803C-763986B343C2}" type="datetimeFigureOut">
               <a:rPr lang="en-US" smtClean="0"/>
-              <a:t>10/15/10</a:t>
+              <a:pPr/>
+              <a:t>10/19/10</a:t>
             </a:fld>
             <a:endParaRPr lang="en-US"/>
           </a:p>
@@ -2743,6 +2766,7 @@
           <a:p>
             <a:fld id="{B9E79B35-B0A9-8E46-8D86-45AEE198BCE7}" type="slidenum">
               <a:rPr lang="en-US" smtClean="0"/>
+              <a:pPr/>
               <a:t>‹#›</a:t>
             </a:fld>
             <a:endParaRPr lang="en-US"/>
@@ -3083,7 +3107,7 @@
           <a:p>
             <a:r>
               <a:rPr lang="en-US" sz="1200" dirty="0" smtClean="0"/>
-              <a:t>-9</a:t>
+              <a:t>3</a:t>
             </a:r>
             <a:endParaRPr lang="en-US" sz="1200" dirty="0"/>
           </a:p>
@@ -3112,9 +3136,10 @@
           <a:lstStyle/>
           <a:p>
             <a:r>
-              <a:rPr lang="en-US" sz="1200" dirty="0"/>
-              <a:t>6</a:t>
-            </a:r>
+              <a:rPr lang="en-US" sz="1200" dirty="0" smtClean="0"/>
+              <a:t>25</a:t>
+            </a:r>
+            <a:endParaRPr lang="en-US" sz="1200" dirty="0"/>
           </a:p>
         </p:txBody>
       </p:sp>
@@ -3186,8 +3211,8 @@
         </p:nvSpPr>
         <p:spPr>
           <a:xfrm>
-            <a:off x="5248768" y="3827125"/>
-            <a:ext cx="374564" cy="276999"/>
+            <a:off x="5207530" y="3805413"/>
+            <a:ext cx="546062" cy="276999"/>
           </a:xfrm>
           <a:prstGeom prst="rect">
             <a:avLst/>
@@ -3202,7 +3227,7 @@
           <a:p>
             <a:r>
               <a:rPr lang="en-US" sz="1200" dirty="0" smtClean="0"/>
-              <a:t>30</a:t>
+              <a:t>-37</a:t>
             </a:r>
             <a:endParaRPr lang="en-US" sz="1200" dirty="0"/>
           </a:p>
@@ -3232,7 +3257,7 @@
           <a:p>
             <a:r>
               <a:rPr lang="en-US" sz="1200" dirty="0" smtClean="0"/>
-              <a:t>41</a:t>
+              <a:t>28</a:t>
             </a:r>
             <a:endParaRPr lang="en-US" sz="1200" dirty="0"/>
           </a:p>
@@ -3352,7 +3377,7 @@
           <a:p>
             <a:r>
               <a:rPr lang="en-US" sz="1200" dirty="0" smtClean="0"/>
-              <a:t>41</a:t>
+              <a:t>28</a:t>
             </a:r>
             <a:endParaRPr lang="en-US" sz="1200" dirty="0"/>
           </a:p>
@@ -3411,9 +3436,10 @@
           <a:lstStyle/>
           <a:p>
             <a:r>
-              <a:rPr lang="en-US" sz="1200" dirty="0"/>
-              <a:t>6</a:t>
-            </a:r>
+              <a:rPr lang="en-US" sz="1200" dirty="0" smtClean="0"/>
+              <a:t>25</a:t>
+            </a:r>
+            <a:endParaRPr lang="en-US" sz="1200" dirty="0"/>
           </a:p>
         </p:txBody>
       </p:sp>
@@ -3661,7 +3687,7 @@
           <a:p>
             <a:r>
               <a:rPr lang="en-US" sz="1000" dirty="0" smtClean="0"/>
-              <a:t>40</a:t>
+              <a:t>-9</a:t>
             </a:r>
             <a:endParaRPr lang="en-US" sz="1000" dirty="0"/>
           </a:p>
@@ -3724,7 +3750,7 @@
           <a:p>
             <a:r>
               <a:rPr lang="en-US" sz="1000" dirty="0" smtClean="0"/>
-              <a:t>-3</a:t>
+              <a:t>6</a:t>
             </a:r>
             <a:endParaRPr lang="en-US" sz="1000" dirty="0"/>
           </a:p>
@@ -3756,7 +3782,7 @@
           <a:p>
             <a:r>
               <a:rPr lang="en-US" sz="1000" dirty="0" smtClean="0"/>
-              <a:t>-9</a:t>
+              <a:t>3</a:t>
             </a:r>
             <a:endParaRPr lang="en-US" sz="1000" dirty="0"/>
           </a:p>
@@ -3788,7 +3814,7 @@
           <a:p>
             <a:r>
               <a:rPr lang="en-US" sz="1000" dirty="0" smtClean="0"/>
-              <a:t>25</a:t>
+              <a:t>26</a:t>
             </a:r>
             <a:endParaRPr lang="en-US" sz="1000" dirty="0"/>
           </a:p>
@@ -3819,9 +3845,10 @@
           <a:lstStyle/>
           <a:p>
             <a:r>
-              <a:rPr lang="en-US" sz="1000" dirty="0"/>
-              <a:t>6</a:t>
-            </a:r>
+              <a:rPr lang="en-US" sz="1000" dirty="0" smtClean="0"/>
+              <a:t>25</a:t>
+            </a:r>
+            <a:endParaRPr lang="en-US" sz="1000" dirty="0"/>
           </a:p>
         </p:txBody>
       </p:sp>
@@ -3851,7 +3878,11 @@
           <a:p>
             <a:r>
               <a:rPr lang="en-US" sz="1000" dirty="0" smtClean="0"/>
-              <a:t>-37</a:t>
+              <a:t>-</a:t>
+            </a:r>
+            <a:r>
+              <a:rPr lang="en-US" sz="1000" dirty="0" smtClean="0"/>
+              <a:t>15</a:t>
             </a:r>
             <a:endParaRPr lang="en-US" sz="1000" dirty="0"/>
           </a:p>
@@ -3883,7 +3914,7 @@
           <a:p>
             <a:r>
               <a:rPr lang="en-US" sz="1000" dirty="0" smtClean="0"/>
-              <a:t>-15</a:t>
+              <a:t>30</a:t>
             </a:r>
             <a:endParaRPr lang="en-US" sz="1000" dirty="0"/>
           </a:p>
@@ -3946,12 +3977,8 @@
           <a:lstStyle/>
           <a:p>
             <a:r>
-              <a:rPr lang="en-US" sz="1000" dirty="0"/>
-              <a:t>3</a:t>
-            </a:r>
-            <a:r>
               <a:rPr lang="en-US" sz="1000" dirty="0" smtClean="0"/>
-              <a:t>0</a:t>
+              <a:t>-37</a:t>
             </a:r>
             <a:endParaRPr lang="en-US" sz="1000" dirty="0"/>
           </a:p>
@@ -3983,7 +4010,7 @@
           <a:p>
             <a:r>
               <a:rPr lang="en-US" sz="1000" dirty="0" smtClean="0"/>
-              <a:t>48</a:t>
+              <a:t>40</a:t>
             </a:r>
             <a:endParaRPr lang="en-US" sz="1000" dirty="0"/>
           </a:p>
@@ -4015,7 +4042,7 @@
           <a:p>
             <a:r>
               <a:rPr lang="en-US" sz="1000" dirty="0" smtClean="0"/>
-              <a:t>41</a:t>
+              <a:t>28</a:t>
             </a:r>
             <a:endParaRPr lang="en-US" sz="1000" dirty="0"/>
           </a:p>
@@ -4047,7 +4074,7 @@
           <a:p>
             <a:r>
               <a:rPr lang="en-US" sz="1000" dirty="0" smtClean="0"/>
-              <a:t>26</a:t>
+              <a:t>48</a:t>
             </a:r>
             <a:endParaRPr lang="en-US" sz="1000" dirty="0"/>
           </a:p>
@@ -4111,7 +4138,7 @@
           <a:p>
             <a:r>
               <a:rPr lang="en-US" sz="1000" dirty="0" smtClean="0"/>
-              <a:t>28</a:t>
+              <a:t>41</a:t>
             </a:r>
             <a:endParaRPr lang="en-US" sz="1000" dirty="0"/>
           </a:p>
